--- a/i - Behold the Lamb (Moore).pptx
+++ b/i - Behold the Lamb (Moore).pptx
@@ -244,7 +244,7 @@
           <a:p>
             <a:fld id="{32F7251A-AE54-443C-B8FE-5F636E835EBF}" type="datetimeFigureOut">
               <a:rPr lang="en-US" smtClean="0"/>
-              <a:t>4/1/2018</a:t>
+              <a:t>5/17/2020</a:t>
             </a:fld>
             <a:endParaRPr lang="en-US" dirty="0"/>
           </a:p>
@@ -412,7 +412,7 @@
           <a:p>
             <a:fld id="{32F7251A-AE54-443C-B8FE-5F636E835EBF}" type="datetimeFigureOut">
               <a:rPr lang="en-US" smtClean="0"/>
-              <a:t>4/1/2018</a:t>
+              <a:t>5/17/2020</a:t>
             </a:fld>
             <a:endParaRPr lang="en-US" dirty="0"/>
           </a:p>
@@ -590,7 +590,7 @@
           <a:p>
             <a:fld id="{32F7251A-AE54-443C-B8FE-5F636E835EBF}" type="datetimeFigureOut">
               <a:rPr lang="en-US" smtClean="0"/>
-              <a:t>4/1/2018</a:t>
+              <a:t>5/17/2020</a:t>
             </a:fld>
             <a:endParaRPr lang="en-US" dirty="0"/>
           </a:p>
@@ -758,7 +758,7 @@
           <a:p>
             <a:fld id="{32F7251A-AE54-443C-B8FE-5F636E835EBF}" type="datetimeFigureOut">
               <a:rPr lang="en-US" smtClean="0"/>
-              <a:t>4/1/2018</a:t>
+              <a:t>5/17/2020</a:t>
             </a:fld>
             <a:endParaRPr lang="en-US" dirty="0"/>
           </a:p>
@@ -1003,7 +1003,7 @@
           <a:p>
             <a:fld id="{32F7251A-AE54-443C-B8FE-5F636E835EBF}" type="datetimeFigureOut">
               <a:rPr lang="en-US" smtClean="0"/>
-              <a:t>4/1/2018</a:t>
+              <a:t>5/17/2020</a:t>
             </a:fld>
             <a:endParaRPr lang="en-US" dirty="0"/>
           </a:p>
@@ -1232,7 +1232,7 @@
           <a:p>
             <a:fld id="{32F7251A-AE54-443C-B8FE-5F636E835EBF}" type="datetimeFigureOut">
               <a:rPr lang="en-US" smtClean="0"/>
-              <a:t>4/1/2018</a:t>
+              <a:t>5/17/2020</a:t>
             </a:fld>
             <a:endParaRPr lang="en-US" dirty="0"/>
           </a:p>
@@ -1596,7 +1596,7 @@
           <a:p>
             <a:fld id="{32F7251A-AE54-443C-B8FE-5F636E835EBF}" type="datetimeFigureOut">
               <a:rPr lang="en-US" smtClean="0"/>
-              <a:t>4/1/2018</a:t>
+              <a:t>5/17/2020</a:t>
             </a:fld>
             <a:endParaRPr lang="en-US" dirty="0"/>
           </a:p>
@@ -1713,7 +1713,7 @@
           <a:p>
             <a:fld id="{32F7251A-AE54-443C-B8FE-5F636E835EBF}" type="datetimeFigureOut">
               <a:rPr lang="en-US" smtClean="0"/>
-              <a:t>4/1/2018</a:t>
+              <a:t>5/17/2020</a:t>
             </a:fld>
             <a:endParaRPr lang="en-US" dirty="0"/>
           </a:p>
@@ -1808,7 +1808,7 @@
           <a:p>
             <a:fld id="{32F7251A-AE54-443C-B8FE-5F636E835EBF}" type="datetimeFigureOut">
               <a:rPr lang="en-US" smtClean="0"/>
-              <a:t>4/1/2018</a:t>
+              <a:t>5/17/2020</a:t>
             </a:fld>
             <a:endParaRPr lang="en-US" dirty="0"/>
           </a:p>
@@ -2083,7 +2083,7 @@
           <a:p>
             <a:fld id="{32F7251A-AE54-443C-B8FE-5F636E835EBF}" type="datetimeFigureOut">
               <a:rPr lang="en-US" smtClean="0"/>
-              <a:t>4/1/2018</a:t>
+              <a:t>5/17/2020</a:t>
             </a:fld>
             <a:endParaRPr lang="en-US" dirty="0"/>
           </a:p>
@@ -2335,7 +2335,7 @@
           <a:p>
             <a:fld id="{32F7251A-AE54-443C-B8FE-5F636E835EBF}" type="datetimeFigureOut">
               <a:rPr lang="en-US" smtClean="0"/>
-              <a:t>4/1/2018</a:t>
+              <a:t>5/17/2020</a:t>
             </a:fld>
             <a:endParaRPr lang="en-US" dirty="0"/>
           </a:p>
@@ -2402,7 +2402,9 @@
     <p:bg>
       <p:bgPr>
         <a:solidFill>
-          <a:srgbClr val="333333"/>
+          <a:schemeClr val="bg1">
+            <a:lumMod val="10000"/>
+          </a:schemeClr>
         </a:solidFill>
         <a:effectLst/>
       </p:bgPr>
@@ -2549,7 +2551,7 @@
           <a:p>
             <a:fld id="{32F7251A-AE54-443C-B8FE-5F636E835EBF}" type="datetimeFigureOut">
               <a:rPr lang="en-US" smtClean="0"/>
-              <a:t>4/1/2018</a:t>
+              <a:t>5/17/2020</a:t>
             </a:fld>
             <a:endParaRPr lang="en-US" dirty="0"/>
           </a:p>
@@ -3019,8 +3021,8 @@
         </p:nvSpPr>
         <p:spPr>
           <a:xfrm>
-            <a:off x="0" y="5804209"/>
-            <a:ext cx="12192000" cy="830997"/>
+            <a:off x="0" y="5927320"/>
+            <a:ext cx="12192000" cy="584775"/>
           </a:xfrm>
           <a:prstGeom prst="rect">
             <a:avLst/>
@@ -3035,10 +3037,12 @@
           <a:p>
             <a:pPr algn="ctr"/>
             <a:r>
-              <a:rPr lang="en-US" sz="4800" dirty="0">
+              <a:rPr lang="en-US" sz="3200" u="sng" dirty="0">
                 <a:solidFill>
                   <a:schemeClr val="bg1"/>
                 </a:solidFill>
+                <a:latin typeface="Assistant SemiBold" panose="00000700000000000000" pitchFamily="2" charset="-79"/>
+                <a:cs typeface="Assistant SemiBold" panose="00000700000000000000" pitchFamily="2" charset="-79"/>
               </a:rPr>
               <a:t>“Behold the Lamb”</a:t>
             </a:r>
@@ -3053,8 +3057,8 @@
         </p:nvSpPr>
         <p:spPr>
           <a:xfrm>
-            <a:off x="0" y="433547"/>
-            <a:ext cx="12192000" cy="4524315"/>
+            <a:off x="0" y="1025218"/>
+            <a:ext cx="12192000" cy="3539430"/>
           </a:xfrm>
           <a:prstGeom prst="rect">
             <a:avLst/>
@@ -3069,10 +3073,12 @@
           <a:p>
             <a:pPr algn="ctr"/>
             <a:r>
-              <a:rPr lang="en-US" sz="3600" dirty="0">
+              <a:rPr lang="en-US" sz="2800" spc="50" dirty="0">
                 <a:solidFill>
                   <a:schemeClr val="bg1"/>
                 </a:solidFill>
+                <a:latin typeface="Assistant" panose="00000500000000000000" pitchFamily="2" charset="-79"/>
+                <a:cs typeface="Assistant" panose="00000500000000000000" pitchFamily="2" charset="-79"/>
               </a:rPr>
               <a:t>Behold the Lamb</a:t>
             </a:r>
@@ -3080,10 +3086,12 @@
           <a:p>
             <a:pPr algn="ctr"/>
             <a:r>
-              <a:rPr lang="en-US" sz="3600" dirty="0">
+              <a:rPr lang="en-US" sz="2800" spc="50" dirty="0">
                 <a:solidFill>
                   <a:schemeClr val="bg1"/>
                 </a:solidFill>
+                <a:latin typeface="Assistant" panose="00000500000000000000" pitchFamily="2" charset="-79"/>
+                <a:cs typeface="Assistant" panose="00000500000000000000" pitchFamily="2" charset="-79"/>
               </a:rPr>
               <a:t>who reigns at God’s right hand</a:t>
             </a:r>
@@ -3091,29 +3099,35 @@
           <a:p>
             <a:pPr algn="ctr"/>
             <a:r>
-              <a:rPr lang="en-US" sz="3600" dirty="0">
+              <a:rPr lang="en-US" sz="2800" spc="50" dirty="0">
                 <a:solidFill>
                   <a:schemeClr val="bg1"/>
                 </a:solidFill>
+                <a:latin typeface="Assistant" panose="00000500000000000000" pitchFamily="2" charset="-79"/>
+                <a:cs typeface="Assistant" panose="00000500000000000000" pitchFamily="2" charset="-79"/>
               </a:rPr>
               <a:t>Amid the splendor of celestial strands</a:t>
             </a:r>
           </a:p>
           <a:p>
             <a:pPr algn="ctr"/>
-            <a:endParaRPr lang="en-US" sz="3600" dirty="0">
+            <a:endParaRPr lang="en-US" sz="2800" spc="50" dirty="0">
               <a:solidFill>
                 <a:schemeClr val="bg1"/>
               </a:solidFill>
+              <a:latin typeface="Assistant" panose="00000500000000000000" pitchFamily="2" charset="-79"/>
+              <a:cs typeface="Assistant" panose="00000500000000000000" pitchFamily="2" charset="-79"/>
             </a:endParaRPr>
           </a:p>
           <a:p>
             <a:pPr algn="ctr"/>
             <a:r>
-              <a:rPr lang="en-US" sz="3600" dirty="0">
+              <a:rPr lang="en-US" sz="2800" spc="50" dirty="0">
                 <a:solidFill>
                   <a:schemeClr val="bg1"/>
                 </a:solidFill>
+                <a:latin typeface="Assistant" panose="00000500000000000000" pitchFamily="2" charset="-79"/>
+                <a:cs typeface="Assistant" panose="00000500000000000000" pitchFamily="2" charset="-79"/>
               </a:rPr>
               <a:t>Bearing our wounds,</a:t>
             </a:r>
@@ -3121,10 +3135,12 @@
           <a:p>
             <a:pPr algn="ctr"/>
             <a:r>
-              <a:rPr lang="en-US" sz="3600" dirty="0">
+              <a:rPr lang="en-US" sz="2800" spc="50" dirty="0">
                 <a:solidFill>
                   <a:schemeClr val="bg1"/>
                 </a:solidFill>
+                <a:latin typeface="Assistant" panose="00000500000000000000" pitchFamily="2" charset="-79"/>
+                <a:cs typeface="Assistant" panose="00000500000000000000" pitchFamily="2" charset="-79"/>
               </a:rPr>
               <a:t>which saves us by His grace;</a:t>
             </a:r>
@@ -3132,10 +3148,12 @@
           <a:p>
             <a:pPr algn="ctr"/>
             <a:r>
-              <a:rPr lang="en-US" sz="3600" dirty="0">
+              <a:rPr lang="en-US" sz="2800" spc="50" dirty="0">
                 <a:solidFill>
                   <a:schemeClr val="bg1"/>
                 </a:solidFill>
+                <a:latin typeface="Assistant" panose="00000500000000000000" pitchFamily="2" charset="-79"/>
+                <a:cs typeface="Assistant" panose="00000500000000000000" pitchFamily="2" charset="-79"/>
               </a:rPr>
               <a:t>Pleading our plight</a:t>
             </a:r>
@@ -3143,10 +3161,12 @@
           <a:p>
             <a:pPr algn="ctr"/>
             <a:r>
-              <a:rPr lang="en-US" sz="3600" dirty="0">
+              <a:rPr lang="en-US" sz="2800" spc="50" dirty="0">
                 <a:solidFill>
                   <a:schemeClr val="bg1"/>
                 </a:solidFill>
+                <a:latin typeface="Assistant" panose="00000500000000000000" pitchFamily="2" charset="-79"/>
+                <a:cs typeface="Assistant" panose="00000500000000000000" pitchFamily="2" charset="-79"/>
               </a:rPr>
               <a:t>before our Father’s face.</a:t>
             </a:r>
@@ -3248,8 +3268,8 @@
         </p:nvSpPr>
         <p:spPr>
           <a:xfrm>
-            <a:off x="0" y="5804209"/>
-            <a:ext cx="12192000" cy="830997"/>
+            <a:off x="0" y="5927320"/>
+            <a:ext cx="12192000" cy="584775"/>
           </a:xfrm>
           <a:prstGeom prst="rect">
             <a:avLst/>
@@ -3264,10 +3284,12 @@
           <a:p>
             <a:pPr algn="ctr"/>
             <a:r>
-              <a:rPr lang="en-US" sz="4800" dirty="0">
+              <a:rPr lang="en-US" sz="3200" u="sng" dirty="0">
                 <a:solidFill>
                   <a:schemeClr val="bg1"/>
                 </a:solidFill>
+                <a:latin typeface="Assistant SemiBold" panose="00000700000000000000" pitchFamily="2" charset="-79"/>
+                <a:cs typeface="Assistant SemiBold" panose="00000700000000000000" pitchFamily="2" charset="-79"/>
               </a:rPr>
               <a:t>“Behold the Lamb”</a:t>
             </a:r>
@@ -3282,8 +3304,8 @@
         </p:nvSpPr>
         <p:spPr>
           <a:xfrm>
-            <a:off x="0" y="433547"/>
-            <a:ext cx="12192000" cy="4524315"/>
+            <a:off x="0" y="1007289"/>
+            <a:ext cx="12192000" cy="3539430"/>
           </a:xfrm>
           <a:prstGeom prst="rect">
             <a:avLst/>
@@ -3298,10 +3320,12 @@
           <a:p>
             <a:pPr algn="ctr"/>
             <a:r>
-              <a:rPr lang="en-US" sz="3600" dirty="0">
+              <a:rPr lang="en-US" sz="2800" spc="50" dirty="0">
                 <a:solidFill>
                   <a:schemeClr val="bg1"/>
                 </a:solidFill>
+                <a:latin typeface="Assistant" panose="00000500000000000000" pitchFamily="2" charset="-79"/>
+                <a:cs typeface="Assistant" panose="00000500000000000000" pitchFamily="2" charset="-79"/>
               </a:rPr>
               <a:t>Behold the Lamb,</a:t>
             </a:r>
@@ -3309,10 +3333,12 @@
           <a:p>
             <a:pPr algn="ctr"/>
             <a:r>
-              <a:rPr lang="en-US" sz="3600" dirty="0">
+              <a:rPr lang="en-US" sz="2800" spc="50" dirty="0">
                 <a:solidFill>
                   <a:schemeClr val="bg1"/>
                 </a:solidFill>
+                <a:latin typeface="Assistant" panose="00000500000000000000" pitchFamily="2" charset="-79"/>
+                <a:cs typeface="Assistant" panose="00000500000000000000" pitchFamily="2" charset="-79"/>
               </a:rPr>
               <a:t>who with angelic hosts</a:t>
             </a:r>
@@ -3320,29 +3346,35 @@
           <a:p>
             <a:pPr algn="ctr"/>
             <a:r>
-              <a:rPr lang="en-US" sz="3600" dirty="0">
+              <a:rPr lang="en-US" sz="2800" spc="50" dirty="0">
                 <a:solidFill>
                   <a:schemeClr val="bg1"/>
                 </a:solidFill>
+                <a:latin typeface="Assistant" panose="00000500000000000000" pitchFamily="2" charset="-79"/>
+                <a:cs typeface="Assistant" panose="00000500000000000000" pitchFamily="2" charset="-79"/>
               </a:rPr>
               <a:t>Await the deluge of the Holy Ghost—</a:t>
             </a:r>
           </a:p>
           <a:p>
             <a:pPr algn="ctr"/>
-            <a:endParaRPr lang="en-US" sz="3600" dirty="0">
+            <a:endParaRPr lang="en-US" sz="2800" spc="50" dirty="0">
               <a:solidFill>
                 <a:schemeClr val="bg1"/>
               </a:solidFill>
+              <a:latin typeface="Assistant" panose="00000500000000000000" pitchFamily="2" charset="-79"/>
+              <a:cs typeface="Assistant" panose="00000500000000000000" pitchFamily="2" charset="-79"/>
             </a:endParaRPr>
           </a:p>
           <a:p>
             <a:pPr algn="ctr"/>
             <a:r>
-              <a:rPr lang="en-US" sz="3600" dirty="0">
+              <a:rPr lang="en-US" sz="2800" spc="50" dirty="0">
                 <a:solidFill>
                   <a:schemeClr val="bg1"/>
                 </a:solidFill>
+                <a:latin typeface="Assistant" panose="00000500000000000000" pitchFamily="2" charset="-79"/>
+                <a:cs typeface="Assistant" panose="00000500000000000000" pitchFamily="2" charset="-79"/>
               </a:rPr>
               <a:t>Power from heaven </a:t>
             </a:r>
@@ -3350,10 +3382,12 @@
           <a:p>
             <a:pPr algn="ctr"/>
             <a:r>
-              <a:rPr lang="en-US" sz="3600" dirty="0">
+              <a:rPr lang="en-US" sz="2800" spc="50" dirty="0">
                 <a:solidFill>
                   <a:schemeClr val="bg1"/>
                 </a:solidFill>
+                <a:latin typeface="Assistant" panose="00000500000000000000" pitchFamily="2" charset="-79"/>
+                <a:cs typeface="Assistant" panose="00000500000000000000" pitchFamily="2" charset="-79"/>
               </a:rPr>
               <a:t>arming His elect—</a:t>
             </a:r>
@@ -3361,10 +3395,12 @@
           <a:p>
             <a:pPr algn="ctr"/>
             <a:r>
-              <a:rPr lang="en-US" sz="3600" dirty="0">
+              <a:rPr lang="en-US" sz="2800" spc="50" dirty="0">
                 <a:solidFill>
                   <a:schemeClr val="bg1"/>
                 </a:solidFill>
+                <a:latin typeface="Assistant" panose="00000500000000000000" pitchFamily="2" charset="-79"/>
+                <a:cs typeface="Assistant" panose="00000500000000000000" pitchFamily="2" charset="-79"/>
               </a:rPr>
               <a:t>Breaking their bands and</a:t>
             </a:r>
@@ -3372,10 +3408,12 @@
           <a:p>
             <a:pPr algn="ctr"/>
             <a:r>
-              <a:rPr lang="en-US" sz="3600" dirty="0">
+              <a:rPr lang="en-US" sz="2800" spc="50" dirty="0">
                 <a:solidFill>
                   <a:schemeClr val="bg1"/>
                 </a:solidFill>
+                <a:latin typeface="Assistant" panose="00000500000000000000" pitchFamily="2" charset="-79"/>
+                <a:cs typeface="Assistant" panose="00000500000000000000" pitchFamily="2" charset="-79"/>
               </a:rPr>
               <a:t>Zion’s walls erect.</a:t>
             </a:r>
@@ -3477,8 +3515,8 @@
         </p:nvSpPr>
         <p:spPr>
           <a:xfrm>
-            <a:off x="0" y="5804209"/>
-            <a:ext cx="12192000" cy="830997"/>
+            <a:off x="0" y="5927320"/>
+            <a:ext cx="12192000" cy="584775"/>
           </a:xfrm>
           <a:prstGeom prst="rect">
             <a:avLst/>
@@ -3493,10 +3531,12 @@
           <a:p>
             <a:pPr algn="ctr"/>
             <a:r>
-              <a:rPr lang="en-US" sz="4800" dirty="0">
+              <a:rPr lang="en-US" sz="3200" u="sng" dirty="0">
                 <a:solidFill>
                   <a:schemeClr val="bg1"/>
                 </a:solidFill>
+                <a:latin typeface="Assistant SemiBold" panose="00000700000000000000" pitchFamily="2" charset="-79"/>
+                <a:cs typeface="Assistant SemiBold" panose="00000700000000000000" pitchFamily="2" charset="-79"/>
               </a:rPr>
               <a:t>“Behold the Lamb”</a:t>
             </a:r>
@@ -3511,8 +3551,8 @@
         </p:nvSpPr>
         <p:spPr>
           <a:xfrm>
-            <a:off x="0" y="433547"/>
-            <a:ext cx="12192000" cy="4524315"/>
+            <a:off x="0" y="917641"/>
+            <a:ext cx="12192000" cy="3539430"/>
           </a:xfrm>
           <a:prstGeom prst="rect">
             <a:avLst/>
@@ -3527,10 +3567,12 @@
           <a:p>
             <a:pPr algn="ctr"/>
             <a:r>
-              <a:rPr lang="en-US" sz="3600" dirty="0">
+              <a:rPr lang="en-US" sz="2800" spc="50" dirty="0">
                 <a:solidFill>
                   <a:schemeClr val="bg1"/>
                 </a:solidFill>
+                <a:latin typeface="Assistant" panose="00000500000000000000" pitchFamily="2" charset="-79"/>
+                <a:cs typeface="Assistant" panose="00000500000000000000" pitchFamily="2" charset="-79"/>
               </a:rPr>
               <a:t>Behold the Lamb</a:t>
             </a:r>
@@ -3538,10 +3580,12 @@
           <a:p>
             <a:pPr algn="ctr"/>
             <a:r>
-              <a:rPr lang="en-US" sz="3600" dirty="0">
+              <a:rPr lang="en-US" sz="2800" spc="50" dirty="0">
                 <a:solidFill>
                   <a:schemeClr val="bg1"/>
                 </a:solidFill>
+                <a:latin typeface="Assistant" panose="00000500000000000000" pitchFamily="2" charset="-79"/>
+                <a:cs typeface="Assistant" panose="00000500000000000000" pitchFamily="2" charset="-79"/>
               </a:rPr>
               <a:t>descending from on high!</a:t>
             </a:r>
@@ -3549,29 +3593,35 @@
           <a:p>
             <a:pPr algn="ctr"/>
             <a:r>
-              <a:rPr lang="en-US" sz="3600" dirty="0">
+              <a:rPr lang="en-US" sz="2800" spc="50" dirty="0">
                 <a:solidFill>
                   <a:schemeClr val="bg1"/>
                 </a:solidFill>
+                <a:latin typeface="Assistant" panose="00000500000000000000" pitchFamily="2" charset="-79"/>
+                <a:cs typeface="Assistant" panose="00000500000000000000" pitchFamily="2" charset="-79"/>
               </a:rPr>
               <a:t>Flashes of lightening sparkle ‘cross the sky!</a:t>
             </a:r>
           </a:p>
           <a:p>
             <a:pPr algn="ctr"/>
-            <a:endParaRPr lang="en-US" sz="3600" dirty="0">
+            <a:endParaRPr lang="en-US" sz="2800" spc="50" dirty="0">
               <a:solidFill>
                 <a:schemeClr val="bg1"/>
               </a:solidFill>
+              <a:latin typeface="Assistant" panose="00000500000000000000" pitchFamily="2" charset="-79"/>
+              <a:cs typeface="Assistant" panose="00000500000000000000" pitchFamily="2" charset="-79"/>
             </a:endParaRPr>
           </a:p>
           <a:p>
             <a:pPr algn="ctr"/>
             <a:r>
-              <a:rPr lang="en-US" sz="3600" dirty="0">
+              <a:rPr lang="en-US" sz="2800" spc="50" dirty="0">
                 <a:solidFill>
                   <a:schemeClr val="bg1"/>
                 </a:solidFill>
+                <a:latin typeface="Assistant" panose="00000500000000000000" pitchFamily="2" charset="-79"/>
+                <a:cs typeface="Assistant" panose="00000500000000000000" pitchFamily="2" charset="-79"/>
               </a:rPr>
               <a:t>Trumpets announcing</a:t>
             </a:r>
@@ -3579,10 +3629,12 @@
           <a:p>
             <a:pPr algn="ctr"/>
             <a:r>
-              <a:rPr lang="en-US" sz="3600" dirty="0">
+              <a:rPr lang="en-US" sz="2800" spc="50" dirty="0">
                 <a:solidFill>
                   <a:schemeClr val="bg1"/>
                 </a:solidFill>
+                <a:latin typeface="Assistant" panose="00000500000000000000" pitchFamily="2" charset="-79"/>
+                <a:cs typeface="Assistant" panose="00000500000000000000" pitchFamily="2" charset="-79"/>
               </a:rPr>
               <a:t>Christ the coming King;</a:t>
             </a:r>
@@ -3590,10 +3642,12 @@
           <a:p>
             <a:pPr algn="ctr"/>
             <a:r>
-              <a:rPr lang="en-US" sz="3600" dirty="0">
+              <a:rPr lang="en-US" sz="2800" spc="50" dirty="0">
                 <a:solidFill>
                   <a:schemeClr val="bg1"/>
                 </a:solidFill>
+                <a:latin typeface="Assistant" panose="00000500000000000000" pitchFamily="2" charset="-79"/>
+                <a:cs typeface="Assistant" panose="00000500000000000000" pitchFamily="2" charset="-79"/>
               </a:rPr>
               <a:t>Trees clap their hands</a:t>
             </a:r>
@@ -3601,10 +3655,12 @@
           <a:p>
             <a:pPr algn="ctr"/>
             <a:r>
-              <a:rPr lang="en-US" sz="3600" dirty="0">
+              <a:rPr lang="en-US" sz="2800" spc="50" dirty="0">
                 <a:solidFill>
                   <a:schemeClr val="bg1"/>
                 </a:solidFill>
+                <a:latin typeface="Assistant" panose="00000500000000000000" pitchFamily="2" charset="-79"/>
+                <a:cs typeface="Assistant" panose="00000500000000000000" pitchFamily="2" charset="-79"/>
               </a:rPr>
               <a:t>While all creation sings!</a:t>
             </a:r>
@@ -3706,8 +3762,8 @@
         </p:nvSpPr>
         <p:spPr>
           <a:xfrm>
-            <a:off x="0" y="5804209"/>
-            <a:ext cx="12192000" cy="830997"/>
+            <a:off x="0" y="5927320"/>
+            <a:ext cx="12192000" cy="584775"/>
           </a:xfrm>
           <a:prstGeom prst="rect">
             <a:avLst/>
@@ -3722,10 +3778,12 @@
           <a:p>
             <a:pPr algn="ctr"/>
             <a:r>
-              <a:rPr lang="en-US" sz="4800" dirty="0">
+              <a:rPr lang="en-US" sz="3200" u="sng" dirty="0">
                 <a:solidFill>
                   <a:schemeClr val="bg1"/>
                 </a:solidFill>
+                <a:latin typeface="Assistant SemiBold" panose="00000700000000000000" pitchFamily="2" charset="-79"/>
+                <a:cs typeface="Assistant SemiBold" panose="00000700000000000000" pitchFamily="2" charset="-79"/>
               </a:rPr>
               <a:t>“Behold the Lamb”</a:t>
             </a:r>
@@ -3740,8 +3798,8 @@
         </p:nvSpPr>
         <p:spPr>
           <a:xfrm>
-            <a:off x="0" y="433547"/>
-            <a:ext cx="12192000" cy="4524315"/>
+            <a:off x="0" y="1052111"/>
+            <a:ext cx="12192000" cy="3539430"/>
           </a:xfrm>
           <a:prstGeom prst="rect">
             <a:avLst/>
@@ -3756,10 +3814,12 @@
           <a:p>
             <a:pPr algn="ctr"/>
             <a:r>
-              <a:rPr lang="en-US" sz="3600" dirty="0">
+              <a:rPr lang="en-US" sz="2800" spc="50" dirty="0">
                 <a:solidFill>
                   <a:schemeClr val="bg1"/>
                 </a:solidFill>
+                <a:latin typeface="Assistant" panose="00000500000000000000" pitchFamily="2" charset="-79"/>
+                <a:cs typeface="Assistant" panose="00000500000000000000" pitchFamily="2" charset="-79"/>
               </a:rPr>
               <a:t>Behold the Lamb,</a:t>
             </a:r>
@@ -3767,10 +3827,12 @@
           <a:p>
             <a:pPr algn="ctr"/>
             <a:r>
-              <a:rPr lang="en-US" sz="3600" dirty="0">
+              <a:rPr lang="en-US" sz="2800" spc="50" dirty="0">
                 <a:solidFill>
                   <a:schemeClr val="bg1"/>
                 </a:solidFill>
+                <a:latin typeface="Assistant" panose="00000500000000000000" pitchFamily="2" charset="-79"/>
+                <a:cs typeface="Assistant" panose="00000500000000000000" pitchFamily="2" charset="-79"/>
               </a:rPr>
               <a:t>bedecked in lambent light</a:t>
             </a:r>
@@ -3778,45 +3840,35 @@
           <a:p>
             <a:pPr algn="ctr"/>
             <a:r>
-              <a:rPr lang="en-US" sz="3600" dirty="0">
+              <a:rPr lang="en-US" sz="2800" spc="50" dirty="0">
                 <a:solidFill>
                   <a:schemeClr val="bg1"/>
                 </a:solidFill>
+                <a:latin typeface="Assistant" panose="00000500000000000000" pitchFamily="2" charset="-79"/>
+                <a:cs typeface="Assistant" panose="00000500000000000000" pitchFamily="2" charset="-79"/>
               </a:rPr>
-              <a:t>Receive </a:t>
-            </a:r>
-            <a:r>
-              <a:rPr lang="en-US" sz="3600">
-                <a:solidFill>
-                  <a:schemeClr val="bg1"/>
-                </a:solidFill>
-              </a:rPr>
-              <a:t>His bride arrayed </a:t>
-            </a:r>
-            <a:r>
-              <a:rPr lang="en-US" sz="3600" dirty="0">
-                <a:solidFill>
-                  <a:schemeClr val="bg1"/>
-                </a:solidFill>
-              </a:rPr>
-              <a:t>in linen white.</a:t>
+              <a:t>Receive His bride arrayed in linen white.</a:t>
             </a:r>
           </a:p>
           <a:p>
             <a:pPr algn="ctr"/>
-            <a:endParaRPr lang="en-US" sz="3600" dirty="0">
+            <a:endParaRPr lang="en-US" sz="2800" spc="50" dirty="0">
               <a:solidFill>
                 <a:schemeClr val="bg1"/>
               </a:solidFill>
+              <a:latin typeface="Assistant" panose="00000500000000000000" pitchFamily="2" charset="-79"/>
+              <a:cs typeface="Assistant" panose="00000500000000000000" pitchFamily="2" charset="-79"/>
             </a:endParaRPr>
           </a:p>
           <a:p>
             <a:pPr algn="ctr"/>
             <a:r>
-              <a:rPr lang="en-US" sz="3600" dirty="0">
+              <a:rPr lang="en-US" sz="2800" spc="50" dirty="0">
                 <a:solidFill>
                   <a:schemeClr val="bg1"/>
                 </a:solidFill>
+                <a:latin typeface="Assistant" panose="00000500000000000000" pitchFamily="2" charset="-79"/>
+                <a:cs typeface="Assistant" panose="00000500000000000000" pitchFamily="2" charset="-79"/>
               </a:rPr>
               <a:t>Joined at the marriage</a:t>
             </a:r>
@@ -3824,10 +3876,12 @@
           <a:p>
             <a:pPr algn="ctr"/>
             <a:r>
-              <a:rPr lang="en-US" sz="3600" dirty="0">
+              <a:rPr lang="en-US" sz="2800" spc="50" dirty="0">
                 <a:solidFill>
                   <a:schemeClr val="bg1"/>
                 </a:solidFill>
+                <a:latin typeface="Assistant" panose="00000500000000000000" pitchFamily="2" charset="-79"/>
+                <a:cs typeface="Assistant" panose="00000500000000000000" pitchFamily="2" charset="-79"/>
               </a:rPr>
               <a:t>supper of the Lord—</a:t>
             </a:r>
@@ -3835,10 +3889,12 @@
           <a:p>
             <a:pPr algn="ctr"/>
             <a:r>
-              <a:rPr lang="en-US" sz="3600" dirty="0">
+              <a:rPr lang="en-US" sz="2800" spc="50" dirty="0">
                 <a:solidFill>
                   <a:schemeClr val="bg1"/>
                 </a:solidFill>
+                <a:latin typeface="Assistant" panose="00000500000000000000" pitchFamily="2" charset="-79"/>
+                <a:cs typeface="Assistant" panose="00000500000000000000" pitchFamily="2" charset="-79"/>
               </a:rPr>
               <a:t>Holy communion blessing</a:t>
             </a:r>
@@ -3846,10 +3902,12 @@
           <a:p>
             <a:pPr algn="ctr"/>
             <a:r>
-              <a:rPr lang="en-US" sz="3600" dirty="0">
+              <a:rPr lang="en-US" sz="2800" spc="50" dirty="0">
                 <a:solidFill>
                   <a:schemeClr val="bg1"/>
                 </a:solidFill>
+                <a:latin typeface="Assistant" panose="00000500000000000000" pitchFamily="2" charset="-79"/>
+                <a:cs typeface="Assistant" panose="00000500000000000000" pitchFamily="2" charset="-79"/>
               </a:rPr>
               <a:t>His adored.</a:t>
             </a:r>

--- a/i - Behold the Lamb (Moore).pptx
+++ b/i - Behold the Lamb (Moore).pptx
@@ -244,7 +244,7 @@
           <a:p>
             <a:fld id="{32F7251A-AE54-443C-B8FE-5F636E835EBF}" type="datetimeFigureOut">
               <a:rPr lang="en-US" smtClean="0"/>
-              <a:t>5/17/2020</a:t>
+              <a:t>11/1/2020</a:t>
             </a:fld>
             <a:endParaRPr lang="en-US" dirty="0"/>
           </a:p>
@@ -412,7 +412,7 @@
           <a:p>
             <a:fld id="{32F7251A-AE54-443C-B8FE-5F636E835EBF}" type="datetimeFigureOut">
               <a:rPr lang="en-US" smtClean="0"/>
-              <a:t>5/17/2020</a:t>
+              <a:t>11/1/2020</a:t>
             </a:fld>
             <a:endParaRPr lang="en-US" dirty="0"/>
           </a:p>
@@ -590,7 +590,7 @@
           <a:p>
             <a:fld id="{32F7251A-AE54-443C-B8FE-5F636E835EBF}" type="datetimeFigureOut">
               <a:rPr lang="en-US" smtClean="0"/>
-              <a:t>5/17/2020</a:t>
+              <a:t>11/1/2020</a:t>
             </a:fld>
             <a:endParaRPr lang="en-US" dirty="0"/>
           </a:p>
@@ -758,7 +758,7 @@
           <a:p>
             <a:fld id="{32F7251A-AE54-443C-B8FE-5F636E835EBF}" type="datetimeFigureOut">
               <a:rPr lang="en-US" smtClean="0"/>
-              <a:t>5/17/2020</a:t>
+              <a:t>11/1/2020</a:t>
             </a:fld>
             <a:endParaRPr lang="en-US" dirty="0"/>
           </a:p>
@@ -1003,7 +1003,7 @@
           <a:p>
             <a:fld id="{32F7251A-AE54-443C-B8FE-5F636E835EBF}" type="datetimeFigureOut">
               <a:rPr lang="en-US" smtClean="0"/>
-              <a:t>5/17/2020</a:t>
+              <a:t>11/1/2020</a:t>
             </a:fld>
             <a:endParaRPr lang="en-US" dirty="0"/>
           </a:p>
@@ -1232,7 +1232,7 @@
           <a:p>
             <a:fld id="{32F7251A-AE54-443C-B8FE-5F636E835EBF}" type="datetimeFigureOut">
               <a:rPr lang="en-US" smtClean="0"/>
-              <a:t>5/17/2020</a:t>
+              <a:t>11/1/2020</a:t>
             </a:fld>
             <a:endParaRPr lang="en-US" dirty="0"/>
           </a:p>
@@ -1596,7 +1596,7 @@
           <a:p>
             <a:fld id="{32F7251A-AE54-443C-B8FE-5F636E835EBF}" type="datetimeFigureOut">
               <a:rPr lang="en-US" smtClean="0"/>
-              <a:t>5/17/2020</a:t>
+              <a:t>11/1/2020</a:t>
             </a:fld>
             <a:endParaRPr lang="en-US" dirty="0"/>
           </a:p>
@@ -1713,7 +1713,7 @@
           <a:p>
             <a:fld id="{32F7251A-AE54-443C-B8FE-5F636E835EBF}" type="datetimeFigureOut">
               <a:rPr lang="en-US" smtClean="0"/>
-              <a:t>5/17/2020</a:t>
+              <a:t>11/1/2020</a:t>
             </a:fld>
             <a:endParaRPr lang="en-US" dirty="0"/>
           </a:p>
@@ -1808,7 +1808,7 @@
           <a:p>
             <a:fld id="{32F7251A-AE54-443C-B8FE-5F636E835EBF}" type="datetimeFigureOut">
               <a:rPr lang="en-US" smtClean="0"/>
-              <a:t>5/17/2020</a:t>
+              <a:t>11/1/2020</a:t>
             </a:fld>
             <a:endParaRPr lang="en-US" dirty="0"/>
           </a:p>
@@ -2083,7 +2083,7 @@
           <a:p>
             <a:fld id="{32F7251A-AE54-443C-B8FE-5F636E835EBF}" type="datetimeFigureOut">
               <a:rPr lang="en-US" smtClean="0"/>
-              <a:t>5/17/2020</a:t>
+              <a:t>11/1/2020</a:t>
             </a:fld>
             <a:endParaRPr lang="en-US" dirty="0"/>
           </a:p>
@@ -2335,7 +2335,7 @@
           <a:p>
             <a:fld id="{32F7251A-AE54-443C-B8FE-5F636E835EBF}" type="datetimeFigureOut">
               <a:rPr lang="en-US" smtClean="0"/>
-              <a:t>5/17/2020</a:t>
+              <a:t>11/1/2020</a:t>
             </a:fld>
             <a:endParaRPr lang="en-US" dirty="0"/>
           </a:p>
@@ -2551,7 +2551,7 @@
           <a:p>
             <a:fld id="{32F7251A-AE54-443C-B8FE-5F636E835EBF}" type="datetimeFigureOut">
               <a:rPr lang="en-US" smtClean="0"/>
-              <a:t>5/17/2020</a:t>
+              <a:t>11/1/2020</a:t>
             </a:fld>
             <a:endParaRPr lang="en-US" dirty="0"/>
           </a:p>
@@ -3057,7 +3057,7 @@
         </p:nvSpPr>
         <p:spPr>
           <a:xfrm>
-            <a:off x="0" y="1025218"/>
+            <a:off x="0" y="837961"/>
             <a:ext cx="12192000" cy="3539430"/>
           </a:xfrm>
           <a:prstGeom prst="rect">
@@ -3106,7 +3106,7 @@
                 <a:latin typeface="Assistant" panose="00000500000000000000" pitchFamily="2" charset="-79"/>
                 <a:cs typeface="Assistant" panose="00000500000000000000" pitchFamily="2" charset="-79"/>
               </a:rPr>
-              <a:t>Amid the splendor of celestial strands</a:t>
+              <a:t>Amid the splendor of celestial stands</a:t>
             </a:r>
           </a:p>
           <a:p>
@@ -3304,8 +3304,8 @@
         </p:nvSpPr>
         <p:spPr>
           <a:xfrm>
-            <a:off x="0" y="1007289"/>
-            <a:ext cx="12192000" cy="3539430"/>
+            <a:off x="0" y="837961"/>
+            <a:ext cx="12192000" cy="5182079"/>
           </a:xfrm>
           <a:prstGeom prst="rect">
             <a:avLst/>
@@ -3551,8 +3551,8 @@
         </p:nvSpPr>
         <p:spPr>
           <a:xfrm>
-            <a:off x="0" y="917641"/>
-            <a:ext cx="12192000" cy="3539430"/>
+            <a:off x="0" y="837961"/>
+            <a:ext cx="12192000" cy="5182079"/>
           </a:xfrm>
           <a:prstGeom prst="rect">
             <a:avLst/>
@@ -3798,8 +3798,8 @@
         </p:nvSpPr>
         <p:spPr>
           <a:xfrm>
-            <a:off x="0" y="1052111"/>
-            <a:ext cx="12192000" cy="3539430"/>
+            <a:off x="0" y="837961"/>
+            <a:ext cx="12192000" cy="5182079"/>
           </a:xfrm>
           <a:prstGeom prst="rect">
             <a:avLst/>
